--- a/Lectures/FormAndFunction.pptx
+++ b/Lectures/FormAndFunction.pptx
@@ -297,7 +297,7 @@
           <a:p>
             <a:fld id="{3560D55C-C98A-7247-A130-0871F747D39A}" type="datetimeFigureOut">
               <a:rPr lang="en-US" smtClean="0"/>
-              <a:t>1/22/15</a:t>
+              <a:t>9/1/16</a:t>
             </a:fld>
             <a:endParaRPr lang="en-US"/>
           </a:p>
@@ -467,7 +467,7 @@
           <a:p>
             <a:fld id="{3560D55C-C98A-7247-A130-0871F747D39A}" type="datetimeFigureOut">
               <a:rPr lang="en-US" smtClean="0"/>
-              <a:t>1/22/15</a:t>
+              <a:t>9/1/16</a:t>
             </a:fld>
             <a:endParaRPr lang="en-US"/>
           </a:p>
@@ -647,7 +647,7 @@
           <a:p>
             <a:fld id="{3560D55C-C98A-7247-A130-0871F747D39A}" type="datetimeFigureOut">
               <a:rPr lang="en-US" smtClean="0"/>
-              <a:t>1/22/15</a:t>
+              <a:t>9/1/16</a:t>
             </a:fld>
             <a:endParaRPr lang="en-US"/>
           </a:p>
@@ -817,7 +817,7 @@
           <a:p>
             <a:fld id="{3560D55C-C98A-7247-A130-0871F747D39A}" type="datetimeFigureOut">
               <a:rPr lang="en-US" smtClean="0"/>
-              <a:t>1/22/15</a:t>
+              <a:t>9/1/16</a:t>
             </a:fld>
             <a:endParaRPr lang="en-US"/>
           </a:p>
@@ -1063,7 +1063,7 @@
           <a:p>
             <a:fld id="{3560D55C-C98A-7247-A130-0871F747D39A}" type="datetimeFigureOut">
               <a:rPr lang="en-US" smtClean="0"/>
-              <a:t>1/22/15</a:t>
+              <a:t>9/1/16</a:t>
             </a:fld>
             <a:endParaRPr lang="en-US"/>
           </a:p>
@@ -1351,7 +1351,7 @@
           <a:p>
             <a:fld id="{3560D55C-C98A-7247-A130-0871F747D39A}" type="datetimeFigureOut">
               <a:rPr lang="en-US" smtClean="0"/>
-              <a:t>1/22/15</a:t>
+              <a:t>9/1/16</a:t>
             </a:fld>
             <a:endParaRPr lang="en-US"/>
           </a:p>
@@ -1773,7 +1773,7 @@
           <a:p>
             <a:fld id="{3560D55C-C98A-7247-A130-0871F747D39A}" type="datetimeFigureOut">
               <a:rPr lang="en-US" smtClean="0"/>
-              <a:t>1/22/15</a:t>
+              <a:t>9/1/16</a:t>
             </a:fld>
             <a:endParaRPr lang="en-US"/>
           </a:p>
@@ -1891,7 +1891,7 @@
           <a:p>
             <a:fld id="{3560D55C-C98A-7247-A130-0871F747D39A}" type="datetimeFigureOut">
               <a:rPr lang="en-US" smtClean="0"/>
-              <a:t>1/22/15</a:t>
+              <a:t>9/1/16</a:t>
             </a:fld>
             <a:endParaRPr lang="en-US"/>
           </a:p>
@@ -1986,7 +1986,7 @@
           <a:p>
             <a:fld id="{3560D55C-C98A-7247-A130-0871F747D39A}" type="datetimeFigureOut">
               <a:rPr lang="en-US" smtClean="0"/>
-              <a:t>1/22/15</a:t>
+              <a:t>9/1/16</a:t>
             </a:fld>
             <a:endParaRPr lang="en-US"/>
           </a:p>
@@ -2263,7 +2263,7 @@
           <a:p>
             <a:fld id="{3560D55C-C98A-7247-A130-0871F747D39A}" type="datetimeFigureOut">
               <a:rPr lang="en-US" smtClean="0"/>
-              <a:t>1/22/15</a:t>
+              <a:t>9/1/16</a:t>
             </a:fld>
             <a:endParaRPr lang="en-US"/>
           </a:p>
@@ -2516,7 +2516,7 @@
           <a:p>
             <a:fld id="{3560D55C-C98A-7247-A130-0871F747D39A}" type="datetimeFigureOut">
               <a:rPr lang="en-US" smtClean="0"/>
-              <a:t>1/22/15</a:t>
+              <a:t>9/1/16</a:t>
             </a:fld>
             <a:endParaRPr lang="en-US"/>
           </a:p>
@@ -2729,7 +2729,7 @@
           <a:p>
             <a:fld id="{3560D55C-C98A-7247-A130-0871F747D39A}" type="datetimeFigureOut">
               <a:rPr lang="en-US" smtClean="0"/>
-              <a:t>1/22/15</a:t>
+              <a:t>9/1/16</a:t>
             </a:fld>
             <a:endParaRPr lang="en-US"/>
           </a:p>
@@ -3230,22 +3230,28 @@
           <a:p>
             <a:r>
               <a:rPr lang="en-US" dirty="0" smtClean="0"/>
-              <a:t>Divide into two teams of </a:t>
-            </a:r>
-            <a:r>
-              <a:rPr lang="en-US" dirty="0" err="1" smtClean="0"/>
-              <a:t>equalish</a:t>
+              <a:t>Divide into </a:t>
             </a:r>
             <a:r>
               <a:rPr lang="en-US" dirty="0" smtClean="0"/>
-              <a:t> size. </a:t>
-            </a:r>
+              <a:t>teams. Canvas has (allegedly) created them. </a:t>
+            </a:r>
+            <a:endParaRPr lang="en-US" dirty="0" smtClean="0"/>
           </a:p>
           <a:p>
             <a:r>
               <a:rPr lang="en-US" dirty="0" smtClean="0"/>
-              <a:t>Using Lego and Post It notes, chart the difference between the Seattle Seahawks and New England Patriots that gives some insight to the Super Bowl. </a:t>
-            </a:r>
+              <a:t>Using Lego and Post It notes, chart </a:t>
+            </a:r>
+            <a:r>
+              <a:rPr lang="en-US" dirty="0" smtClean="0"/>
+              <a:t>the some aspect of </a:t>
+            </a:r>
+            <a:r>
+              <a:rPr lang="en-US" smtClean="0"/>
+              <a:t>the election. </a:t>
+            </a:r>
+            <a:endParaRPr lang="en-US" dirty="0" smtClean="0"/>
           </a:p>
           <a:p>
             <a:r>

--- a/Lectures/FormAndFunction.pptx
+++ b/Lectures/FormAndFunction.pptx
@@ -113,6 +113,22 @@
       </a:defRPr>
     </a:lvl9pPr>
   </p:defaultTextStyle>
+  <p:extLst>
+    <p:ext uri="{EFAFB233-063F-42B5-8137-9DF3F51BA10A}">
+      <p15:sldGuideLst xmlns:p15="http://schemas.microsoft.com/office/powerpoint/2012/main">
+        <p15:guide id="1" orient="horz" pos="2160">
+          <p15:clr>
+            <a:srgbClr val="A4A3A4"/>
+          </p15:clr>
+        </p15:guide>
+        <p15:guide id="2" pos="2880">
+          <p15:clr>
+            <a:srgbClr val="A4A3A4"/>
+          </p15:clr>
+        </p15:guide>
+      </p15:sldGuideLst>
+    </p:ext>
+  </p:extLst>
 </p:presentation>
 </file>
 
@@ -154,10 +170,9 @@
           <a:lstStyle/>
           <a:p>
             <a:r>
-              <a:rPr lang="en-US" smtClean="0"/>
+              <a:rPr lang="en-US"/>
               <a:t>Click to edit Master title style</a:t>
             </a:r>
-            <a:endParaRPr lang="en-US"/>
           </a:p>
         </p:txBody>
       </p:sp>
@@ -273,10 +288,9 @@
           </a:lstStyle>
           <a:p>
             <a:r>
-              <a:rPr lang="en-US" smtClean="0"/>
+              <a:rPr lang="en-US"/>
               <a:t>Click to edit Master subtitle style</a:t>
             </a:r>
-            <a:endParaRPr lang="en-US"/>
           </a:p>
         </p:txBody>
       </p:sp>
@@ -297,7 +311,7 @@
           <a:p>
             <a:fld id="{3560D55C-C98A-7247-A130-0871F747D39A}" type="datetimeFigureOut">
               <a:rPr lang="en-US" smtClean="0"/>
-              <a:t>9/1/16</a:t>
+              <a:t>2/13/18</a:t>
             </a:fld>
             <a:endParaRPr lang="en-US"/>
           </a:p>
@@ -391,10 +405,9 @@
           <a:lstStyle/>
           <a:p>
             <a:r>
-              <a:rPr lang="en-US" smtClean="0"/>
+              <a:rPr lang="en-US"/>
               <a:t>Click to edit Master title style</a:t>
             </a:r>
-            <a:endParaRPr lang="en-US"/>
           </a:p>
         </p:txBody>
       </p:sp>
@@ -415,38 +428,37 @@
           <a:p>
             <a:pPr lvl="0"/>
             <a:r>
-              <a:rPr lang="en-US" smtClean="0"/>
+              <a:rPr lang="en-US"/>
               <a:t>Click to edit Master text styles</a:t>
             </a:r>
           </a:p>
           <a:p>
             <a:pPr lvl="1"/>
             <a:r>
-              <a:rPr lang="en-US" smtClean="0"/>
+              <a:rPr lang="en-US"/>
               <a:t>Second level</a:t>
             </a:r>
           </a:p>
           <a:p>
             <a:pPr lvl="2"/>
             <a:r>
-              <a:rPr lang="en-US" smtClean="0"/>
+              <a:rPr lang="en-US"/>
               <a:t>Third level</a:t>
             </a:r>
           </a:p>
           <a:p>
             <a:pPr lvl="3"/>
             <a:r>
-              <a:rPr lang="en-US" smtClean="0"/>
+              <a:rPr lang="en-US"/>
               <a:t>Fourth level</a:t>
             </a:r>
           </a:p>
           <a:p>
             <a:pPr lvl="4"/>
             <a:r>
-              <a:rPr lang="en-US" smtClean="0"/>
+              <a:rPr lang="en-US"/>
               <a:t>Fifth level</a:t>
             </a:r>
-            <a:endParaRPr lang="en-US"/>
           </a:p>
         </p:txBody>
       </p:sp>
@@ -467,7 +479,7 @@
           <a:p>
             <a:fld id="{3560D55C-C98A-7247-A130-0871F747D39A}" type="datetimeFigureOut">
               <a:rPr lang="en-US" smtClean="0"/>
-              <a:t>9/1/16</a:t>
+              <a:t>2/13/18</a:t>
             </a:fld>
             <a:endParaRPr lang="en-US"/>
           </a:p>
@@ -566,10 +578,9 @@
           <a:lstStyle/>
           <a:p>
             <a:r>
-              <a:rPr lang="en-US" smtClean="0"/>
+              <a:rPr lang="en-US"/>
               <a:t>Click to edit Master title style</a:t>
             </a:r>
-            <a:endParaRPr lang="en-US"/>
           </a:p>
         </p:txBody>
       </p:sp>
@@ -595,38 +606,37 @@
           <a:p>
             <a:pPr lvl="0"/>
             <a:r>
-              <a:rPr lang="en-US" smtClean="0"/>
+              <a:rPr lang="en-US"/>
               <a:t>Click to edit Master text styles</a:t>
             </a:r>
           </a:p>
           <a:p>
             <a:pPr lvl="1"/>
             <a:r>
-              <a:rPr lang="en-US" smtClean="0"/>
+              <a:rPr lang="en-US"/>
               <a:t>Second level</a:t>
             </a:r>
           </a:p>
           <a:p>
             <a:pPr lvl="2"/>
             <a:r>
-              <a:rPr lang="en-US" smtClean="0"/>
+              <a:rPr lang="en-US"/>
               <a:t>Third level</a:t>
             </a:r>
           </a:p>
           <a:p>
             <a:pPr lvl="3"/>
             <a:r>
-              <a:rPr lang="en-US" smtClean="0"/>
+              <a:rPr lang="en-US"/>
               <a:t>Fourth level</a:t>
             </a:r>
           </a:p>
           <a:p>
             <a:pPr lvl="4"/>
             <a:r>
-              <a:rPr lang="en-US" smtClean="0"/>
+              <a:rPr lang="en-US"/>
               <a:t>Fifth level</a:t>
             </a:r>
-            <a:endParaRPr lang="en-US"/>
           </a:p>
         </p:txBody>
       </p:sp>
@@ -647,7 +657,7 @@
           <a:p>
             <a:fld id="{3560D55C-C98A-7247-A130-0871F747D39A}" type="datetimeFigureOut">
               <a:rPr lang="en-US" smtClean="0"/>
-              <a:t>9/1/16</a:t>
+              <a:t>2/13/18</a:t>
             </a:fld>
             <a:endParaRPr lang="en-US"/>
           </a:p>
@@ -741,10 +751,9 @@
           <a:lstStyle/>
           <a:p>
             <a:r>
-              <a:rPr lang="en-US" smtClean="0"/>
+              <a:rPr lang="en-US"/>
               <a:t>Click to edit Master title style</a:t>
             </a:r>
-            <a:endParaRPr lang="en-US"/>
           </a:p>
         </p:txBody>
       </p:sp>
@@ -765,38 +774,37 @@
           <a:p>
             <a:pPr lvl="0"/>
             <a:r>
-              <a:rPr lang="en-US" smtClean="0"/>
+              <a:rPr lang="en-US"/>
               <a:t>Click to edit Master text styles</a:t>
             </a:r>
           </a:p>
           <a:p>
             <a:pPr lvl="1"/>
             <a:r>
-              <a:rPr lang="en-US" smtClean="0"/>
+              <a:rPr lang="en-US"/>
               <a:t>Second level</a:t>
             </a:r>
           </a:p>
           <a:p>
             <a:pPr lvl="2"/>
             <a:r>
-              <a:rPr lang="en-US" smtClean="0"/>
+              <a:rPr lang="en-US"/>
               <a:t>Third level</a:t>
             </a:r>
           </a:p>
           <a:p>
             <a:pPr lvl="3"/>
             <a:r>
-              <a:rPr lang="en-US" smtClean="0"/>
+              <a:rPr lang="en-US"/>
               <a:t>Fourth level</a:t>
             </a:r>
           </a:p>
           <a:p>
             <a:pPr lvl="4"/>
             <a:r>
-              <a:rPr lang="en-US" smtClean="0"/>
+              <a:rPr lang="en-US"/>
               <a:t>Fifth level</a:t>
             </a:r>
-            <a:endParaRPr lang="en-US"/>
           </a:p>
         </p:txBody>
       </p:sp>
@@ -817,7 +825,7 @@
           <a:p>
             <a:fld id="{3560D55C-C98A-7247-A130-0871F747D39A}" type="datetimeFigureOut">
               <a:rPr lang="en-US" smtClean="0"/>
-              <a:t>9/1/16</a:t>
+              <a:t>2/13/18</a:t>
             </a:fld>
             <a:endParaRPr lang="en-US"/>
           </a:p>
@@ -920,10 +928,9 @@
           </a:lstStyle>
           <a:p>
             <a:r>
-              <a:rPr lang="en-US" smtClean="0"/>
+              <a:rPr lang="en-US"/>
               <a:t>Click to edit Master title style</a:t>
             </a:r>
-            <a:endParaRPr lang="en-US"/>
           </a:p>
         </p:txBody>
       </p:sp>
@@ -1040,7 +1047,7 @@
           <a:p>
             <a:pPr lvl="0"/>
             <a:r>
-              <a:rPr lang="en-US" smtClean="0"/>
+              <a:rPr lang="en-US"/>
               <a:t>Click to edit Master text styles</a:t>
             </a:r>
           </a:p>
@@ -1063,7 +1070,7 @@
           <a:p>
             <a:fld id="{3560D55C-C98A-7247-A130-0871F747D39A}" type="datetimeFigureOut">
               <a:rPr lang="en-US" smtClean="0"/>
-              <a:t>9/1/16</a:t>
+              <a:t>2/13/18</a:t>
             </a:fld>
             <a:endParaRPr lang="en-US"/>
           </a:p>
@@ -1157,10 +1164,9 @@
           <a:lstStyle/>
           <a:p>
             <a:r>
-              <a:rPr lang="en-US" smtClean="0"/>
+              <a:rPr lang="en-US"/>
               <a:t>Click to edit Master title style</a:t>
             </a:r>
-            <a:endParaRPr lang="en-US"/>
           </a:p>
         </p:txBody>
       </p:sp>
@@ -1214,38 +1220,37 @@
           <a:p>
             <a:pPr lvl="0"/>
             <a:r>
-              <a:rPr lang="en-US" smtClean="0"/>
+              <a:rPr lang="en-US"/>
               <a:t>Click to edit Master text styles</a:t>
             </a:r>
           </a:p>
           <a:p>
             <a:pPr lvl="1"/>
             <a:r>
-              <a:rPr lang="en-US" smtClean="0"/>
+              <a:rPr lang="en-US"/>
               <a:t>Second level</a:t>
             </a:r>
           </a:p>
           <a:p>
             <a:pPr lvl="2"/>
             <a:r>
-              <a:rPr lang="en-US" smtClean="0"/>
+              <a:rPr lang="en-US"/>
               <a:t>Third level</a:t>
             </a:r>
           </a:p>
           <a:p>
             <a:pPr lvl="3"/>
             <a:r>
-              <a:rPr lang="en-US" smtClean="0"/>
+              <a:rPr lang="en-US"/>
               <a:t>Fourth level</a:t>
             </a:r>
           </a:p>
           <a:p>
             <a:pPr lvl="4"/>
             <a:r>
-              <a:rPr lang="en-US" smtClean="0"/>
+              <a:rPr lang="en-US"/>
               <a:t>Fifth level</a:t>
             </a:r>
-            <a:endParaRPr lang="en-US"/>
           </a:p>
         </p:txBody>
       </p:sp>
@@ -1299,38 +1304,37 @@
           <a:p>
             <a:pPr lvl="0"/>
             <a:r>
-              <a:rPr lang="en-US" smtClean="0"/>
+              <a:rPr lang="en-US"/>
               <a:t>Click to edit Master text styles</a:t>
             </a:r>
           </a:p>
           <a:p>
             <a:pPr lvl="1"/>
             <a:r>
-              <a:rPr lang="en-US" smtClean="0"/>
+              <a:rPr lang="en-US"/>
               <a:t>Second level</a:t>
             </a:r>
           </a:p>
           <a:p>
             <a:pPr lvl="2"/>
             <a:r>
-              <a:rPr lang="en-US" smtClean="0"/>
+              <a:rPr lang="en-US"/>
               <a:t>Third level</a:t>
             </a:r>
           </a:p>
           <a:p>
             <a:pPr lvl="3"/>
             <a:r>
-              <a:rPr lang="en-US" smtClean="0"/>
+              <a:rPr lang="en-US"/>
               <a:t>Fourth level</a:t>
             </a:r>
           </a:p>
           <a:p>
             <a:pPr lvl="4"/>
             <a:r>
-              <a:rPr lang="en-US" smtClean="0"/>
+              <a:rPr lang="en-US"/>
               <a:t>Fifth level</a:t>
             </a:r>
-            <a:endParaRPr lang="en-US"/>
           </a:p>
         </p:txBody>
       </p:sp>
@@ -1351,7 +1355,7 @@
           <a:p>
             <a:fld id="{3560D55C-C98A-7247-A130-0871F747D39A}" type="datetimeFigureOut">
               <a:rPr lang="en-US" smtClean="0"/>
-              <a:t>9/1/16</a:t>
+              <a:t>2/13/18</a:t>
             </a:fld>
             <a:endParaRPr lang="en-US"/>
           </a:p>
@@ -1449,10 +1453,9 @@
           </a:lstStyle>
           <a:p>
             <a:r>
-              <a:rPr lang="en-US" smtClean="0"/>
+              <a:rPr lang="en-US"/>
               <a:t>Click to edit Master title style</a:t>
             </a:r>
-            <a:endParaRPr lang="en-US"/>
           </a:p>
         </p:txBody>
       </p:sp>
@@ -1515,7 +1518,7 @@
           <a:p>
             <a:pPr lvl="0"/>
             <a:r>
-              <a:rPr lang="en-US" smtClean="0"/>
+              <a:rPr lang="en-US"/>
               <a:t>Click to edit Master text styles</a:t>
             </a:r>
           </a:p>
@@ -1571,38 +1574,37 @@
           <a:p>
             <a:pPr lvl="0"/>
             <a:r>
-              <a:rPr lang="en-US" smtClean="0"/>
+              <a:rPr lang="en-US"/>
               <a:t>Click to edit Master text styles</a:t>
             </a:r>
           </a:p>
           <a:p>
             <a:pPr lvl="1"/>
             <a:r>
-              <a:rPr lang="en-US" smtClean="0"/>
+              <a:rPr lang="en-US"/>
               <a:t>Second level</a:t>
             </a:r>
           </a:p>
           <a:p>
             <a:pPr lvl="2"/>
             <a:r>
-              <a:rPr lang="en-US" smtClean="0"/>
+              <a:rPr lang="en-US"/>
               <a:t>Third level</a:t>
             </a:r>
           </a:p>
           <a:p>
             <a:pPr lvl="3"/>
             <a:r>
-              <a:rPr lang="en-US" smtClean="0"/>
+              <a:rPr lang="en-US"/>
               <a:t>Fourth level</a:t>
             </a:r>
           </a:p>
           <a:p>
             <a:pPr lvl="4"/>
             <a:r>
-              <a:rPr lang="en-US" smtClean="0"/>
+              <a:rPr lang="en-US"/>
               <a:t>Fifth level</a:t>
             </a:r>
-            <a:endParaRPr lang="en-US"/>
           </a:p>
         </p:txBody>
       </p:sp>
@@ -1665,7 +1667,7 @@
           <a:p>
             <a:pPr lvl="0"/>
             <a:r>
-              <a:rPr lang="en-US" smtClean="0"/>
+              <a:rPr lang="en-US"/>
               <a:t>Click to edit Master text styles</a:t>
             </a:r>
           </a:p>
@@ -1721,38 +1723,37 @@
           <a:p>
             <a:pPr lvl="0"/>
             <a:r>
-              <a:rPr lang="en-US" smtClean="0"/>
+              <a:rPr lang="en-US"/>
               <a:t>Click to edit Master text styles</a:t>
             </a:r>
           </a:p>
           <a:p>
             <a:pPr lvl="1"/>
             <a:r>
-              <a:rPr lang="en-US" smtClean="0"/>
+              <a:rPr lang="en-US"/>
               <a:t>Second level</a:t>
             </a:r>
           </a:p>
           <a:p>
             <a:pPr lvl="2"/>
             <a:r>
-              <a:rPr lang="en-US" smtClean="0"/>
+              <a:rPr lang="en-US"/>
               <a:t>Third level</a:t>
             </a:r>
           </a:p>
           <a:p>
             <a:pPr lvl="3"/>
             <a:r>
-              <a:rPr lang="en-US" smtClean="0"/>
+              <a:rPr lang="en-US"/>
               <a:t>Fourth level</a:t>
             </a:r>
           </a:p>
           <a:p>
             <a:pPr lvl="4"/>
             <a:r>
-              <a:rPr lang="en-US" smtClean="0"/>
+              <a:rPr lang="en-US"/>
               <a:t>Fifth level</a:t>
             </a:r>
-            <a:endParaRPr lang="en-US"/>
           </a:p>
         </p:txBody>
       </p:sp>
@@ -1773,7 +1774,7 @@
           <a:p>
             <a:fld id="{3560D55C-C98A-7247-A130-0871F747D39A}" type="datetimeFigureOut">
               <a:rPr lang="en-US" smtClean="0"/>
-              <a:t>9/1/16</a:t>
+              <a:t>2/13/18</a:t>
             </a:fld>
             <a:endParaRPr lang="en-US"/>
           </a:p>
@@ -1867,10 +1868,9 @@
           <a:lstStyle/>
           <a:p>
             <a:r>
-              <a:rPr lang="en-US" smtClean="0"/>
+              <a:rPr lang="en-US"/>
               <a:t>Click to edit Master title style</a:t>
             </a:r>
-            <a:endParaRPr lang="en-US"/>
           </a:p>
         </p:txBody>
       </p:sp>
@@ -1891,7 +1891,7 @@
           <a:p>
             <a:fld id="{3560D55C-C98A-7247-A130-0871F747D39A}" type="datetimeFigureOut">
               <a:rPr lang="en-US" smtClean="0"/>
-              <a:t>9/1/16</a:t>
+              <a:t>2/13/18</a:t>
             </a:fld>
             <a:endParaRPr lang="en-US"/>
           </a:p>
@@ -1986,7 +1986,7 @@
           <a:p>
             <a:fld id="{3560D55C-C98A-7247-A130-0871F747D39A}" type="datetimeFigureOut">
               <a:rPr lang="en-US" smtClean="0"/>
-              <a:t>9/1/16</a:t>
+              <a:t>2/13/18</a:t>
             </a:fld>
             <a:endParaRPr lang="en-US"/>
           </a:p>
@@ -2089,10 +2089,9 @@
           </a:lstStyle>
           <a:p>
             <a:r>
-              <a:rPr lang="en-US" smtClean="0"/>
+              <a:rPr lang="en-US"/>
               <a:t>Click to edit Master title style</a:t>
             </a:r>
-            <a:endParaRPr lang="en-US"/>
           </a:p>
         </p:txBody>
       </p:sp>
@@ -2146,38 +2145,37 @@
           <a:p>
             <a:pPr lvl="0"/>
             <a:r>
-              <a:rPr lang="en-US" smtClean="0"/>
+              <a:rPr lang="en-US"/>
               <a:t>Click to edit Master text styles</a:t>
             </a:r>
           </a:p>
           <a:p>
             <a:pPr lvl="1"/>
             <a:r>
-              <a:rPr lang="en-US" smtClean="0"/>
+              <a:rPr lang="en-US"/>
               <a:t>Second level</a:t>
             </a:r>
           </a:p>
           <a:p>
             <a:pPr lvl="2"/>
             <a:r>
-              <a:rPr lang="en-US" smtClean="0"/>
+              <a:rPr lang="en-US"/>
               <a:t>Third level</a:t>
             </a:r>
           </a:p>
           <a:p>
             <a:pPr lvl="3"/>
             <a:r>
-              <a:rPr lang="en-US" smtClean="0"/>
+              <a:rPr lang="en-US"/>
               <a:t>Fourth level</a:t>
             </a:r>
           </a:p>
           <a:p>
             <a:pPr lvl="4"/>
             <a:r>
-              <a:rPr lang="en-US" smtClean="0"/>
+              <a:rPr lang="en-US"/>
               <a:t>Fifth level</a:t>
             </a:r>
-            <a:endParaRPr lang="en-US"/>
           </a:p>
         </p:txBody>
       </p:sp>
@@ -2240,7 +2238,7 @@
           <a:p>
             <a:pPr lvl="0"/>
             <a:r>
-              <a:rPr lang="en-US" smtClean="0"/>
+              <a:rPr lang="en-US"/>
               <a:t>Click to edit Master text styles</a:t>
             </a:r>
           </a:p>
@@ -2263,7 +2261,7 @@
           <a:p>
             <a:fld id="{3560D55C-C98A-7247-A130-0871F747D39A}" type="datetimeFigureOut">
               <a:rPr lang="en-US" smtClean="0"/>
-              <a:t>9/1/16</a:t>
+              <a:t>2/13/18</a:t>
             </a:fld>
             <a:endParaRPr lang="en-US"/>
           </a:p>
@@ -2366,10 +2364,9 @@
           </a:lstStyle>
           <a:p>
             <a:r>
-              <a:rPr lang="en-US" smtClean="0"/>
+              <a:rPr lang="en-US"/>
               <a:t>Click to edit Master title style</a:t>
             </a:r>
-            <a:endParaRPr lang="en-US"/>
           </a:p>
         </p:txBody>
       </p:sp>
@@ -2493,7 +2490,7 @@
           <a:p>
             <a:pPr lvl="0"/>
             <a:r>
-              <a:rPr lang="en-US" smtClean="0"/>
+              <a:rPr lang="en-US"/>
               <a:t>Click to edit Master text styles</a:t>
             </a:r>
           </a:p>
@@ -2516,7 +2513,7 @@
           <a:p>
             <a:fld id="{3560D55C-C98A-7247-A130-0871F747D39A}" type="datetimeFigureOut">
               <a:rPr lang="en-US" smtClean="0"/>
-              <a:t>9/1/16</a:t>
+              <a:t>2/13/18</a:t>
             </a:fld>
             <a:endParaRPr lang="en-US"/>
           </a:p>
@@ -2625,10 +2622,9 @@
           <a:lstStyle/>
           <a:p>
             <a:r>
-              <a:rPr lang="en-US" smtClean="0"/>
+              <a:rPr lang="en-US"/>
               <a:t>Click to edit Master title style</a:t>
             </a:r>
-            <a:endParaRPr lang="en-US"/>
           </a:p>
         </p:txBody>
       </p:sp>
@@ -2659,38 +2655,37 @@
           <a:p>
             <a:pPr lvl="0"/>
             <a:r>
-              <a:rPr lang="en-US" smtClean="0"/>
+              <a:rPr lang="en-US"/>
               <a:t>Click to edit Master text styles</a:t>
             </a:r>
           </a:p>
           <a:p>
             <a:pPr lvl="1"/>
             <a:r>
-              <a:rPr lang="en-US" smtClean="0"/>
+              <a:rPr lang="en-US"/>
               <a:t>Second level</a:t>
             </a:r>
           </a:p>
           <a:p>
             <a:pPr lvl="2"/>
             <a:r>
-              <a:rPr lang="en-US" smtClean="0"/>
+              <a:rPr lang="en-US"/>
               <a:t>Third level</a:t>
             </a:r>
           </a:p>
           <a:p>
             <a:pPr lvl="3"/>
             <a:r>
-              <a:rPr lang="en-US" smtClean="0"/>
+              <a:rPr lang="en-US"/>
               <a:t>Fourth level</a:t>
             </a:r>
           </a:p>
           <a:p>
             <a:pPr lvl="4"/>
             <a:r>
-              <a:rPr lang="en-US" smtClean="0"/>
+              <a:rPr lang="en-US"/>
               <a:t>Fifth level</a:t>
             </a:r>
-            <a:endParaRPr lang="en-US"/>
           </a:p>
         </p:txBody>
       </p:sp>
@@ -2729,7 +2724,7 @@
           <a:p>
             <a:fld id="{3560D55C-C98A-7247-A130-0871F747D39A}" type="datetimeFigureOut">
               <a:rPr lang="en-US" smtClean="0"/>
-              <a:t>9/1/16</a:t>
+              <a:t>2/13/18</a:t>
             </a:fld>
             <a:endParaRPr lang="en-US"/>
           </a:p>
@@ -3120,10 +3115,9 @@
           <a:lstStyle/>
           <a:p>
             <a:r>
-              <a:rPr lang="en-US" dirty="0" smtClean="0"/>
+              <a:rPr lang="en-US" dirty="0"/>
               <a:t>Form and function</a:t>
             </a:r>
-            <a:endParaRPr lang="en-US" dirty="0"/>
           </a:p>
         </p:txBody>
       </p:sp>
@@ -3143,20 +3137,19 @@
           <a:lstStyle/>
           <a:p>
             <a:r>
-              <a:rPr lang="en-US" dirty="0" smtClean="0"/>
+              <a:rPr lang="en-US" dirty="0"/>
               <a:t>Cairo Chapter 2</a:t>
             </a:r>
           </a:p>
           <a:p>
             <a:r>
-              <a:rPr lang="en-US" dirty="0" err="1" smtClean="0"/>
+              <a:rPr lang="en-US" dirty="0" err="1"/>
               <a:t>Tufte</a:t>
             </a:r>
             <a:r>
-              <a:rPr lang="en-US" dirty="0" smtClean="0"/>
+              <a:rPr lang="en-US" dirty="0"/>
               <a:t> Chapter 4</a:t>
             </a:r>
-            <a:endParaRPr lang="en-US" dirty="0"/>
           </a:p>
         </p:txBody>
       </p:sp>
@@ -3206,67 +3199,57 @@
           <a:lstStyle/>
           <a:p>
             <a:r>
-              <a:rPr lang="en-US" dirty="0" smtClean="0"/>
+              <a:rPr lang="en-US" dirty="0"/>
               <a:t>In class</a:t>
             </a:r>
+          </a:p>
+        </p:txBody>
+      </p:sp>
+      <p:sp>
+        <p:nvSpPr>
+          <p:cNvPr id="3" name="Content Placeholder 2"/>
+          <p:cNvSpPr>
+            <a:spLocks noGrp="1"/>
+          </p:cNvSpPr>
+          <p:nvPr>
+            <p:ph idx="1"/>
+          </p:nvPr>
+        </p:nvSpPr>
+        <p:spPr/>
+        <p:txBody>
+          <a:bodyPr/>
+          <a:lstStyle/>
+          <a:p>
+            <a:r>
+              <a:rPr lang="en-US" dirty="0"/>
+              <a:t>Divide into teams. Canvas has (allegedly) created them. </a:t>
+            </a:r>
+          </a:p>
+          <a:p>
+            <a:r>
+              <a:rPr lang="en-US" dirty="0"/>
+              <a:t>Using Lego and Post It notes, chart the some aspect of </a:t>
+            </a:r>
+            <a:r>
+              <a:rPr lang="en-US"/>
+              <a:t>the election. </a:t>
+            </a:r>
             <a:endParaRPr lang="en-US" dirty="0"/>
           </a:p>
-        </p:txBody>
-      </p:sp>
-      <p:sp>
-        <p:nvSpPr>
-          <p:cNvPr id="3" name="Content Placeholder 2"/>
-          <p:cNvSpPr>
-            <a:spLocks noGrp="1"/>
-          </p:cNvSpPr>
-          <p:nvPr>
-            <p:ph idx="1"/>
-          </p:nvPr>
-        </p:nvSpPr>
-        <p:spPr/>
-        <p:txBody>
-          <a:bodyPr/>
-          <a:lstStyle/>
-          <a:p>
-            <a:r>
-              <a:rPr lang="en-US" dirty="0" smtClean="0"/>
-              <a:t>Divide into </a:t>
-            </a:r>
-            <a:r>
-              <a:rPr lang="en-US" dirty="0" smtClean="0"/>
-              <a:t>teams. Canvas has (allegedly) created them. </a:t>
-            </a:r>
-            <a:endParaRPr lang="en-US" dirty="0" smtClean="0"/>
-          </a:p>
-          <a:p>
-            <a:r>
-              <a:rPr lang="en-US" dirty="0" smtClean="0"/>
-              <a:t>Using Lego and Post It notes, chart </a:t>
-            </a:r>
-            <a:r>
-              <a:rPr lang="en-US" dirty="0" smtClean="0"/>
-              <a:t>the some aspect of </a:t>
-            </a:r>
-            <a:r>
-              <a:rPr lang="en-US" smtClean="0"/>
-              <a:t>the election. </a:t>
-            </a:r>
-            <a:endParaRPr lang="en-US" dirty="0" smtClean="0"/>
-          </a:p>
-          <a:p>
-            <a:r>
-              <a:rPr lang="en-US" dirty="0" smtClean="0"/>
+          <a:p>
+            <a:r>
+              <a:rPr lang="en-US" dirty="0"/>
               <a:t>Elect someone to present at the end of class.</a:t>
             </a:r>
           </a:p>
           <a:p>
             <a:r>
-              <a:rPr lang="en-US" dirty="0" smtClean="0">
+              <a:rPr lang="en-US" dirty="0">
                 <a:hlinkClick r:id="rId2"/>
               </a:rPr>
               <a:t>http://espn.go.com/nfl/statistics</a:t>
             </a:r>
-            <a:endParaRPr lang="en-US" dirty="0" smtClean="0"/>
+            <a:endParaRPr lang="en-US" dirty="0"/>
           </a:p>
         </p:txBody>
       </p:sp>
@@ -3316,10 +3299,9 @@
           <a:lstStyle/>
           <a:p>
             <a:r>
-              <a:rPr lang="en-US" dirty="0" smtClean="0"/>
+              <a:rPr lang="en-US" dirty="0"/>
               <a:t>The usefulness of the graph</a:t>
             </a:r>
-            <a:endParaRPr lang="en-US" dirty="0"/>
           </a:p>
         </p:txBody>
       </p:sp>
@@ -3339,28 +3321,30 @@
           <a:lstStyle/>
           <a:p>
             <a:r>
-              <a:rPr lang="en-US" dirty="0" smtClean="0"/>
+              <a:rPr lang="en-US" dirty="0"/>
               <a:t>The usefulness of the graph can only be evaluated …</a:t>
             </a:r>
           </a:p>
           <a:p>
-            <a:r>
-              <a:rPr lang="en-US" dirty="0" smtClean="0"/>
+            <a:pPr lvl="1"/>
+            <a:r>
+              <a:rPr lang="en-US" dirty="0"/>
               <a:t>In the context of the type of data.</a:t>
             </a:r>
           </a:p>
           <a:p>
-            <a:r>
-              <a:rPr lang="en-US" dirty="0" smtClean="0"/>
-              <a:t>The questions the designer wants the reader to answer</a:t>
-            </a:r>
-          </a:p>
-          <a:p>
-            <a:r>
-              <a:rPr lang="en-US" dirty="0" smtClean="0"/>
-              <a:t>The nature of the audience.</a:t>
-            </a:r>
-            <a:endParaRPr lang="en-US" dirty="0"/>
+            <a:pPr lvl="1"/>
+            <a:r>
+              <a:rPr lang="en-US" dirty="0"/>
+              <a:t>In the questions the designer wants the reader to answer</a:t>
+            </a:r>
+          </a:p>
+          <a:p>
+            <a:pPr lvl="1"/>
+            <a:r>
+              <a:rPr lang="en-US" dirty="0"/>
+              <a:t>In the nature of the audience.</a:t>
+            </a:r>
           </a:p>
         </p:txBody>
       </p:sp>
@@ -3417,17 +3401,16 @@
           <a:lstStyle/>
           <a:p>
             <a:r>
-              <a:rPr lang="en-US" dirty="0" smtClean="0"/>
+              <a:rPr lang="en-US" dirty="0"/>
               <a:t>Form follows function?</a:t>
             </a:r>
             <a:br>
-              <a:rPr lang="en-US" dirty="0" smtClean="0"/>
+              <a:rPr lang="en-US" dirty="0"/>
             </a:br>
             <a:r>
-              <a:rPr lang="en-US" dirty="0" smtClean="0"/>
+              <a:rPr lang="en-US" dirty="0"/>
               <a:t>No. The function constrains the form.</a:t>
             </a:r>
-            <a:endParaRPr lang="en-US" dirty="0"/>
           </a:p>
         </p:txBody>
       </p:sp>
@@ -3477,10 +3460,9 @@
           <a:lstStyle/>
           <a:p>
             <a:r>
-              <a:rPr lang="en-US" dirty="0" smtClean="0"/>
+              <a:rPr lang="en-US" dirty="0"/>
               <a:t>The graphic must:</a:t>
             </a:r>
-            <a:endParaRPr lang="en-US" dirty="0"/>
           </a:p>
         </p:txBody>
       </p:sp>
@@ -3500,28 +3482,27 @@
           <a:lstStyle/>
           <a:p>
             <a:r>
-              <a:rPr lang="en-US" dirty="0" smtClean="0"/>
+              <a:rPr lang="en-US" dirty="0"/>
               <a:t>Present several variables – amount, time, context, magnitude</a:t>
             </a:r>
           </a:p>
           <a:p>
             <a:r>
-              <a:rPr lang="en-US" dirty="0" smtClean="0"/>
+              <a:rPr lang="en-US" dirty="0"/>
               <a:t>Allow comparisons.</a:t>
             </a:r>
           </a:p>
           <a:p>
             <a:r>
-              <a:rPr lang="en-US" dirty="0" smtClean="0"/>
+              <a:rPr lang="en-US" dirty="0"/>
               <a:t>Organize information</a:t>
             </a:r>
           </a:p>
           <a:p>
             <a:r>
-              <a:rPr lang="en-US" dirty="0" smtClean="0"/>
+              <a:rPr lang="en-US" dirty="0"/>
               <a:t>Make correlations or relationships evident.</a:t>
             </a:r>
-            <a:endParaRPr lang="en-US" dirty="0"/>
           </a:p>
         </p:txBody>
       </p:sp>
@@ -3578,10 +3559,9 @@
           <a:lstStyle/>
           <a:p>
             <a:r>
-              <a:rPr lang="en-US" dirty="0" smtClean="0"/>
+              <a:rPr lang="en-US" dirty="0"/>
               <a:t>“The better defined the goals of an artifact, the narrower the variety of forms it can adopt.” – Cairo.</a:t>
             </a:r>
-            <a:endParaRPr lang="en-US" dirty="0"/>
           </a:p>
         </p:txBody>
       </p:sp>
@@ -3636,7 +3616,7 @@
           <a:lstStyle/>
           <a:p>
             <a:r>
-              <a:rPr lang="en-US" dirty="0" smtClean="0">
+              <a:rPr lang="en-US" dirty="0">
                 <a:hlinkClick r:id="rId2"/>
               </a:rPr>
               <a:t>Forms and functions</a:t>
@@ -3698,11 +3678,11 @@
           <a:lstStyle/>
           <a:p>
             <a:r>
-              <a:rPr lang="en-US" dirty="0" smtClean="0"/>
+              <a:rPr lang="en-US" dirty="0"/>
               <a:t>“Data graphics should draw the viewer’s attention to the sense and the substance of the data, not to something else.” -- </a:t>
             </a:r>
             <a:r>
-              <a:rPr lang="en-US" dirty="0" err="1" smtClean="0"/>
+              <a:rPr lang="en-US" dirty="0" err="1"/>
               <a:t>Tufte</a:t>
             </a:r>
             <a:endParaRPr lang="en-US" dirty="0"/>
@@ -3762,31 +3742,26 @@
           <a:lstStyle/>
           <a:p>
             <a:r>
-              <a:rPr lang="en-US" dirty="0" smtClean="0"/>
+              <a:rPr lang="en-US" dirty="0"/>
               <a:t>Data-ink ratio: </a:t>
-            </a:r>
-            <a:br>
-              <a:rPr lang="en-US" dirty="0" smtClean="0"/>
-            </a:br>
-            <a:r>
-              <a:rPr lang="en-US" dirty="0" smtClean="0"/>
-              <a:t>Ink dedicated to data/total ink needed</a:t>
-            </a:r>
-            <a:br>
-              <a:rPr lang="en-US" dirty="0" smtClean="0"/>
-            </a:br>
-            <a:r>
-              <a:rPr lang="en-US" dirty="0"/>
-              <a:t/>
             </a:r>
             <a:br>
               <a:rPr lang="en-US" dirty="0"/>
             </a:br>
             <a:r>
-              <a:rPr lang="en-US" dirty="0" smtClean="0"/>
+              <a:rPr lang="en-US" dirty="0"/>
+              <a:t>Ink dedicated to data/total ink needed</a:t>
+            </a:r>
+            <a:br>
+              <a:rPr lang="en-US" dirty="0"/>
+            </a:br>
+            <a:br>
+              <a:rPr lang="en-US" dirty="0"/>
+            </a:br>
+            <a:r>
+              <a:rPr lang="en-US" dirty="0"/>
               <a:t>The higher, the better. </a:t>
             </a:r>
-            <a:endParaRPr lang="en-US" dirty="0"/>
           </a:p>
         </p:txBody>
       </p:sp>
@@ -3841,16 +3816,15 @@
           <a:lstStyle/>
           <a:p>
             <a:r>
-              <a:rPr lang="en-US" dirty="0" smtClean="0">
+              <a:rPr lang="en-US" dirty="0">
                 <a:hlinkClick r:id="rId2"/>
               </a:rPr>
               <a:t>How much data ink</a:t>
             </a:r>
             <a:r>
-              <a:rPr lang="en-US" dirty="0" smtClean="0"/>
+              <a:rPr lang="en-US" dirty="0"/>
               <a:t>?</a:t>
             </a:r>
-            <a:endParaRPr lang="en-US" dirty="0"/>
           </a:p>
         </p:txBody>
       </p:sp>
